--- a/images/explore_fast/Presentation1.pptx
+++ b/images/explore_fast/Presentation1.pptx
@@ -24695,7 +24695,7 @@
         </p:nvSpPr>
         <p:spPr>
           <a:xfrm>
-            <a:off x="448527" y="3802566"/>
+            <a:off x="448527" y="5911063"/>
             <a:ext cx="3744332" cy="523220"/>
           </a:xfrm>
           <a:prstGeom prst="rect">
